--- a/IPO_Project 준비과정.pptx
+++ b/IPO_Project 준비과정.pptx
@@ -206,7 +206,7 @@
           <a:p>
             <a:fld id="{6F05850B-5D2C-F64C-8F3A-9B0CAAEAFBA4}" type="datetimeFigureOut">
               <a:rPr kumimoji="1" lang="ko-Kore-KR" altLang="en-US" smtClean="0"/>
-              <a:t>2022. 5. 4.</a:t>
+              <a:t>2022. 5. 13.</a:t>
             </a:fld>
             <a:endParaRPr kumimoji="1" lang="ko-Kore-KR" altLang="en-US"/>
           </a:p>
@@ -1601,23 +1601,85 @@
             </a:r>
             <a:r>
               <a:rPr kumimoji="1" lang="ko-KR" altLang="en-US" dirty="0"/>
-              <a:t> 서비스를 위해 다음과 같은 작업을 진행했는데요</a:t>
+              <a:t> 서비스를 위해 다음과 같은 작업을 진행했습니다</a:t>
             </a:r>
             <a:r>
               <a:rPr kumimoji="1" lang="en-US" altLang="ko-KR" dirty="0"/>
               <a:t>.</a:t>
             </a:r>
-            <a:r>
-              <a:rPr kumimoji="1" lang="ko-KR" altLang="en-US" dirty="0"/>
-              <a:t> 아직 배포단계에서 오류를 해결하지 못해 로컬환경에서만 </a:t>
-            </a:r>
+          </a:p>
+          <a:p>
             <a:r>
               <a:rPr kumimoji="1" lang="ko-KR" altLang="en-US" dirty="0" err="1"/>
-              <a:t>웹서비스가</a:t>
-            </a:r>
-            <a:r>
-              <a:rPr kumimoji="1" lang="ko-KR" altLang="en-US" dirty="0"/>
-              <a:t> 구현된 상태입니다</a:t>
+              <a:t>크롤링을</a:t>
+            </a:r>
+            <a:r>
+              <a:rPr kumimoji="1" lang="ko-KR" altLang="en-US" dirty="0"/>
+              <a:t> 통해 데이터를 수집하고</a:t>
+            </a:r>
+            <a:r>
+              <a:rPr kumimoji="1" lang="en-US" altLang="ko-KR" dirty="0"/>
+              <a:t>,</a:t>
+            </a:r>
+            <a:r>
+              <a:rPr kumimoji="1" lang="ko-KR" altLang="en-US" dirty="0"/>
+              <a:t> </a:t>
+            </a:r>
+            <a:r>
+              <a:rPr kumimoji="1" lang="en-US" altLang="ko-KR" dirty="0"/>
+              <a:t>DB</a:t>
+            </a:r>
+            <a:r>
+              <a:rPr kumimoji="1" lang="ko-KR" altLang="en-US" dirty="0"/>
+              <a:t>에 적재</a:t>
+            </a:r>
+            <a:r>
+              <a:rPr kumimoji="1" lang="en-US" altLang="ko-KR" dirty="0"/>
+              <a:t>,</a:t>
+            </a:r>
+            <a:r>
+              <a:rPr kumimoji="1" lang="ko-KR" altLang="en-US" dirty="0"/>
+              <a:t> 그 데이터를 불러와 </a:t>
+            </a:r>
+            <a:r>
+              <a:rPr kumimoji="1" lang="ko-KR" altLang="en-US" dirty="0" err="1"/>
+              <a:t>모델링전</a:t>
+            </a:r>
+            <a:r>
+              <a:rPr kumimoji="1" lang="ko-KR" altLang="en-US" dirty="0"/>
+              <a:t> 간단히 </a:t>
+            </a:r>
+            <a:r>
+              <a:rPr kumimoji="1" lang="ko-KR" altLang="en-US" dirty="0" err="1"/>
+              <a:t>대쉬보드</a:t>
+            </a:r>
+            <a:r>
+              <a:rPr kumimoji="1" lang="ko-KR" altLang="en-US" dirty="0"/>
+              <a:t> 시각화를 통해 분석하고</a:t>
+            </a:r>
+            <a:r>
+              <a:rPr kumimoji="1" lang="en-US" altLang="ko-KR" dirty="0"/>
+              <a:t>,</a:t>
+            </a:r>
+            <a:r>
+              <a:rPr kumimoji="1" lang="ko-KR" altLang="en-US" dirty="0"/>
+              <a:t> 모델링을 한 후</a:t>
+            </a:r>
+            <a:r>
+              <a:rPr kumimoji="1" lang="en-US" altLang="ko-KR" dirty="0"/>
+              <a:t>,</a:t>
+            </a:r>
+            <a:r>
+              <a:rPr kumimoji="1" lang="ko-KR" altLang="en-US" dirty="0"/>
+              <a:t> </a:t>
+            </a:r>
+            <a:r>
+              <a:rPr kumimoji="1" lang="ko-KR" altLang="en-US" dirty="0" err="1"/>
+              <a:t>웹개발을</a:t>
+            </a:r>
+            <a:r>
+              <a:rPr kumimoji="1" lang="ko-KR" altLang="en-US" dirty="0"/>
+              <a:t> 하여 배포하였습니다</a:t>
             </a:r>
             <a:r>
               <a:rPr kumimoji="1" lang="en-US" altLang="ko-KR" dirty="0"/>
@@ -2877,130 +2939,6 @@
               <a:rPr kumimoji="1" lang="en-US" altLang="ko-KR" dirty="0"/>
               <a:t>.</a:t>
             </a:r>
-          </a:p>
-          <a:p>
-            <a:endParaRPr kumimoji="1" lang="en-US" altLang="ko-KR" dirty="0"/>
-          </a:p>
-          <a:p>
-            <a:r>
-              <a:rPr kumimoji="1" lang="ko-KR" altLang="en-US" dirty="0"/>
-              <a:t>개인적으로 제가 만든 모델이 높은 수익률로 예측하는 </a:t>
-            </a:r>
-            <a:r>
-              <a:rPr kumimoji="1" lang="ko-KR" altLang="en-US" dirty="0" err="1"/>
-              <a:t>포바이보의</a:t>
-            </a:r>
-            <a:r>
-              <a:rPr kumimoji="1" lang="ko-KR" altLang="en-US" dirty="0"/>
-              <a:t> </a:t>
-            </a:r>
-            <a:r>
-              <a:rPr kumimoji="1" lang="ko-KR" altLang="en-US" dirty="0" err="1"/>
-              <a:t>시초가가</a:t>
-            </a:r>
-            <a:r>
-              <a:rPr kumimoji="1" lang="ko-KR" altLang="en-US" dirty="0"/>
-              <a:t> 어떻게 형성될지 기대가 되네요</a:t>
-            </a:r>
-            <a:r>
-              <a:rPr kumimoji="1" lang="en-US" altLang="ko-KR" dirty="0"/>
-              <a:t>.</a:t>
-            </a:r>
-          </a:p>
-          <a:p>
-            <a:endParaRPr kumimoji="1" lang="en-US" altLang="ko-Kore-KR" dirty="0"/>
-          </a:p>
-          <a:p>
-            <a:r>
-              <a:rPr kumimoji="1" lang="ko-KR" altLang="en-US" dirty="0"/>
-              <a:t>그리고 이 화면은 </a:t>
-            </a:r>
-            <a:r>
-              <a:rPr kumimoji="1" lang="ko-KR" altLang="en-US" dirty="0" err="1"/>
-              <a:t>메인페이지인데</a:t>
-            </a:r>
-            <a:r>
-              <a:rPr kumimoji="1" lang="en-US" altLang="ko-KR" dirty="0"/>
-              <a:t>,</a:t>
-            </a:r>
-            <a:r>
-              <a:rPr kumimoji="1" lang="ko-KR" altLang="en-US" dirty="0"/>
-              <a:t> </a:t>
-            </a:r>
-            <a:r>
-              <a:rPr kumimoji="1" lang="en-US" altLang="ko-KR" dirty="0"/>
-              <a:t>/</a:t>
-            </a:r>
-            <a:r>
-              <a:rPr kumimoji="1" lang="en-US" altLang="ko-KR" dirty="0" err="1"/>
-              <a:t>api</a:t>
-            </a:r>
-            <a:r>
-              <a:rPr kumimoji="1" lang="ko-KR" altLang="en-US" dirty="0"/>
-              <a:t>로 해서 들어가면</a:t>
-            </a:r>
-            <a:r>
-              <a:rPr kumimoji="1" lang="en-US" altLang="ko-KR" dirty="0"/>
-              <a:t>,</a:t>
-            </a:r>
-            <a:r>
-              <a:rPr kumimoji="1" lang="ko-KR" altLang="en-US" dirty="0"/>
-              <a:t> 제가 수집한 공모주 관련데이터들을 가져올 수 있습니다</a:t>
-            </a:r>
-            <a:r>
-              <a:rPr kumimoji="1" lang="en-US" altLang="ko-KR" dirty="0"/>
-              <a:t>.</a:t>
-            </a:r>
-          </a:p>
-          <a:p>
-            <a:endParaRPr kumimoji="1" lang="en-US" altLang="ko-Kore-KR" dirty="0"/>
-          </a:p>
-          <a:p>
-            <a:r>
-              <a:rPr kumimoji="1" lang="ko-KR" altLang="en-US" dirty="0"/>
-              <a:t>또 </a:t>
-            </a:r>
-            <a:r>
-              <a:rPr kumimoji="1" lang="en-US" altLang="ko-Kore-KR" dirty="0"/>
-              <a:t>POSTMAN</a:t>
-            </a:r>
-            <a:r>
-              <a:rPr kumimoji="1" lang="ko-KR" altLang="en-US" dirty="0"/>
-              <a:t>을 통해 </a:t>
-            </a:r>
-            <a:r>
-              <a:rPr kumimoji="1" lang="ko-KR" altLang="en-US" dirty="0" err="1"/>
-              <a:t>살펴보면요</a:t>
-            </a:r>
-            <a:r>
-              <a:rPr kumimoji="1" lang="en-US" altLang="ko-KR" dirty="0"/>
-              <a:t>,</a:t>
-            </a:r>
-            <a:r>
-              <a:rPr kumimoji="1" lang="ko-KR" altLang="en-US" dirty="0"/>
-              <a:t> 이렇게 </a:t>
-            </a:r>
-            <a:r>
-              <a:rPr kumimoji="1" lang="en-US" altLang="ko-KR" dirty="0"/>
-              <a:t>POST</a:t>
-            </a:r>
-            <a:r>
-              <a:rPr kumimoji="1" lang="ko-KR" altLang="en-US" dirty="0"/>
-              <a:t>명령을 통해서도 </a:t>
-            </a:r>
-            <a:r>
-              <a:rPr kumimoji="1" lang="en-US" altLang="ko-KR" dirty="0"/>
-              <a:t>API</a:t>
-            </a:r>
-            <a:r>
-              <a:rPr kumimoji="1" lang="ko-KR" altLang="en-US" dirty="0"/>
-              <a:t> 데이터를 가져올 수 있습니다</a:t>
-            </a:r>
-            <a:r>
-              <a:rPr kumimoji="1" lang="en-US" altLang="ko-KR" dirty="0"/>
-              <a:t>.</a:t>
-            </a:r>
-            <a:endParaRPr kumimoji="1" lang="ko-Kore-KR" altLang="en-US" dirty="0"/>
           </a:p>
         </p:txBody>
       </p:sp>
@@ -3189,7 +3127,7 @@
           <a:p>
             <a:fld id="{7F9A5461-64FC-C048-B8E2-D1C02EF6E3A2}" type="datetimeFigureOut">
               <a:rPr kumimoji="1" lang="ko-Kore-KR" altLang="en-US" smtClean="0"/>
-              <a:t>2022. 5. 4.</a:t>
+              <a:t>2022. 5. 13.</a:t>
             </a:fld>
             <a:endParaRPr kumimoji="1" lang="ko-Kore-KR" altLang="en-US"/>
           </a:p>
@@ -3389,7 +3327,7 @@
           <a:p>
             <a:fld id="{7F9A5461-64FC-C048-B8E2-D1C02EF6E3A2}" type="datetimeFigureOut">
               <a:rPr kumimoji="1" lang="ko-Kore-KR" altLang="en-US" smtClean="0"/>
-              <a:t>2022. 5. 4.</a:t>
+              <a:t>2022. 5. 13.</a:t>
             </a:fld>
             <a:endParaRPr kumimoji="1" lang="ko-Kore-KR" altLang="en-US"/>
           </a:p>
@@ -3599,7 +3537,7 @@
           <a:p>
             <a:fld id="{7F9A5461-64FC-C048-B8E2-D1C02EF6E3A2}" type="datetimeFigureOut">
               <a:rPr kumimoji="1" lang="ko-Kore-KR" altLang="en-US" smtClean="0"/>
-              <a:t>2022. 5. 4.</a:t>
+              <a:t>2022. 5. 13.</a:t>
             </a:fld>
             <a:endParaRPr kumimoji="1" lang="ko-Kore-KR" altLang="en-US"/>
           </a:p>
@@ -3799,7 +3737,7 @@
           <a:p>
             <a:fld id="{7F9A5461-64FC-C048-B8E2-D1C02EF6E3A2}" type="datetimeFigureOut">
               <a:rPr kumimoji="1" lang="ko-Kore-KR" altLang="en-US" smtClean="0"/>
-              <a:t>2022. 5. 4.</a:t>
+              <a:t>2022. 5. 13.</a:t>
             </a:fld>
             <a:endParaRPr kumimoji="1" lang="ko-Kore-KR" altLang="en-US"/>
           </a:p>
@@ -4075,7 +4013,7 @@
           <a:p>
             <a:fld id="{7F9A5461-64FC-C048-B8E2-D1C02EF6E3A2}" type="datetimeFigureOut">
               <a:rPr kumimoji="1" lang="ko-Kore-KR" altLang="en-US" smtClean="0"/>
-              <a:t>2022. 5. 4.</a:t>
+              <a:t>2022. 5. 13.</a:t>
             </a:fld>
             <a:endParaRPr kumimoji="1" lang="ko-Kore-KR" altLang="en-US"/>
           </a:p>
@@ -4343,7 +4281,7 @@
           <a:p>
             <a:fld id="{7F9A5461-64FC-C048-B8E2-D1C02EF6E3A2}" type="datetimeFigureOut">
               <a:rPr kumimoji="1" lang="ko-Kore-KR" altLang="en-US" smtClean="0"/>
-              <a:t>2022. 5. 4.</a:t>
+              <a:t>2022. 5. 13.</a:t>
             </a:fld>
             <a:endParaRPr kumimoji="1" lang="ko-Kore-KR" altLang="en-US"/>
           </a:p>
@@ -4758,7 +4696,7 @@
           <a:p>
             <a:fld id="{7F9A5461-64FC-C048-B8E2-D1C02EF6E3A2}" type="datetimeFigureOut">
               <a:rPr kumimoji="1" lang="ko-Kore-KR" altLang="en-US" smtClean="0"/>
-              <a:t>2022. 5. 4.</a:t>
+              <a:t>2022. 5. 13.</a:t>
             </a:fld>
             <a:endParaRPr kumimoji="1" lang="ko-Kore-KR" altLang="en-US"/>
           </a:p>
@@ -4900,7 +4838,7 @@
           <a:p>
             <a:fld id="{7F9A5461-64FC-C048-B8E2-D1C02EF6E3A2}" type="datetimeFigureOut">
               <a:rPr kumimoji="1" lang="ko-Kore-KR" altLang="en-US" smtClean="0"/>
-              <a:t>2022. 5. 4.</a:t>
+              <a:t>2022. 5. 13.</a:t>
             </a:fld>
             <a:endParaRPr kumimoji="1" lang="ko-Kore-KR" altLang="en-US"/>
           </a:p>
@@ -5013,7 +4951,7 @@
           <a:p>
             <a:fld id="{7F9A5461-64FC-C048-B8E2-D1C02EF6E3A2}" type="datetimeFigureOut">
               <a:rPr kumimoji="1" lang="ko-Kore-KR" altLang="en-US" smtClean="0"/>
-              <a:t>2022. 5. 4.</a:t>
+              <a:t>2022. 5. 13.</a:t>
             </a:fld>
             <a:endParaRPr kumimoji="1" lang="ko-Kore-KR" altLang="en-US"/>
           </a:p>
@@ -5326,7 +5264,7 @@
           <a:p>
             <a:fld id="{7F9A5461-64FC-C048-B8E2-D1C02EF6E3A2}" type="datetimeFigureOut">
               <a:rPr kumimoji="1" lang="ko-Kore-KR" altLang="en-US" smtClean="0"/>
-              <a:t>2022. 5. 4.</a:t>
+              <a:t>2022. 5. 13.</a:t>
             </a:fld>
             <a:endParaRPr kumimoji="1" lang="ko-Kore-KR" altLang="en-US"/>
           </a:p>
@@ -5615,7 +5553,7 @@
           <a:p>
             <a:fld id="{7F9A5461-64FC-C048-B8E2-D1C02EF6E3A2}" type="datetimeFigureOut">
               <a:rPr kumimoji="1" lang="ko-Kore-KR" altLang="en-US" smtClean="0"/>
-              <a:t>2022. 5. 4.</a:t>
+              <a:t>2022. 5. 13.</a:t>
             </a:fld>
             <a:endParaRPr kumimoji="1" lang="ko-Kore-KR" altLang="en-US"/>
           </a:p>
@@ -5858,7 +5796,7 @@
           <a:p>
             <a:fld id="{7F9A5461-64FC-C048-B8E2-D1C02EF6E3A2}" type="datetimeFigureOut">
               <a:rPr kumimoji="1" lang="ko-Kore-KR" altLang="en-US" smtClean="0"/>
-              <a:t>2022. 5. 4.</a:t>
+              <a:t>2022. 5. 13.</a:t>
             </a:fld>
             <a:endParaRPr kumimoji="1" lang="ko-Kore-KR" altLang="en-US"/>
           </a:p>
@@ -9956,8 +9894,8 @@
         </p:nvSpPr>
         <p:spPr>
           <a:xfrm>
-            <a:off x="6406986" y="5319132"/>
-            <a:ext cx="1649973" cy="369332"/>
+            <a:off x="6096000" y="2870265"/>
+            <a:ext cx="3499104" cy="923330"/>
           </a:xfrm>
           <a:prstGeom prst="rect">
             <a:avLst/>
@@ -9984,6 +9922,33 @@
               </a:rPr>
               <a:t> 서비스</a:t>
             </a:r>
+            <a:endParaRPr kumimoji="1" lang="en-US" altLang="ko-KR" dirty="0">
+              <a:latin typeface="BM YEONSUNG OTF" panose="020B0600000101010101" pitchFamily="34" charset="-127"/>
+              <a:ea typeface="BM YEONSUNG OTF" panose="020B0600000101010101" pitchFamily="34" charset="-127"/>
+            </a:endParaRPr>
+          </a:p>
+          <a:p>
+            <a:r>
+              <a:rPr lang="en" altLang="ko-Kore-KR" dirty="0">
+                <a:hlinkClick r:id="rId4"/>
+              </a:rPr>
+              <a:t>https://</a:t>
+            </a:r>
+            <a:r>
+              <a:rPr lang="en" altLang="ko-Kore-KR" dirty="0" err="1">
+                <a:hlinkClick r:id="rId4"/>
+              </a:rPr>
+              <a:t>yoochan.herokuapp.com</a:t>
+            </a:r>
+            <a:r>
+              <a:rPr lang="en" altLang="ko-Kore-KR" dirty="0">
+                <a:hlinkClick r:id="rId4"/>
+              </a:rPr>
+              <a:t>/</a:t>
+            </a:r>
+            <a:endParaRPr lang="en" altLang="ko-Kore-KR" dirty="0"/>
+          </a:p>
+          <a:p>
             <a:endParaRPr kumimoji="1" lang="ko-Kore-KR" altLang="en-US" dirty="0">
               <a:latin typeface="BM YEONSUNG OTF" panose="020B0600000101010101" pitchFamily="34" charset="-127"/>
               <a:ea typeface="BM YEONSUNG OTF" panose="020B0600000101010101" pitchFamily="34" charset="-127"/>
@@ -9991,82 +9956,6 @@
           </a:p>
         </p:txBody>
       </p:sp>
-      <p:sp>
-        <p:nvSpPr>
-          <p:cNvPr id="12" name="TextBox 11">
-            <a:hlinkClick r:id="rId4"/>
-            <a:extLst>
-              <a:ext uri="{FF2B5EF4-FFF2-40B4-BE49-F238E27FC236}">
-                <a16:creationId xmlns:a16="http://schemas.microsoft.com/office/drawing/2014/main" id="{F555AF7F-7C1B-1245-AC57-9C52EA50AB00}"/>
-              </a:ext>
-            </a:extLst>
-          </p:cNvPr>
-          <p:cNvSpPr txBox="1"/>
-          <p:nvPr/>
-        </p:nvSpPr>
-        <p:spPr>
-          <a:xfrm>
-            <a:off x="8547613" y="5319132"/>
-            <a:ext cx="1795346" cy="369332"/>
-          </a:xfrm>
-          <a:prstGeom prst="rect">
-            <a:avLst/>
-          </a:prstGeom>
-          <a:noFill/>
-        </p:spPr>
-        <p:txBody>
-          <a:bodyPr wrap="square" rtlCol="0">
-            <a:spAutoFit/>
-          </a:bodyPr>
-          <a:lstStyle/>
-          <a:p>
-            <a:r>
-              <a:rPr kumimoji="1" lang="en-US" altLang="ko-Kore-KR" dirty="0">
-                <a:latin typeface="BM YEONSUNG OTF" panose="020B0600000101010101" pitchFamily="34" charset="-127"/>
-                <a:ea typeface="BM YEONSUNG OTF" panose="020B0600000101010101" pitchFamily="34" charset="-127"/>
-              </a:rPr>
-              <a:t>API </a:t>
-            </a:r>
-            <a:r>
-              <a:rPr kumimoji="1" lang="ko-Kore-KR" altLang="en-US" dirty="0">
-                <a:latin typeface="BM YEONSUNG OTF" panose="020B0600000101010101" pitchFamily="34" charset="-127"/>
-                <a:ea typeface="BM YEONSUNG OTF" panose="020B0600000101010101" pitchFamily="34" charset="-127"/>
-              </a:rPr>
-              <a:t>서비스</a:t>
-            </a:r>
-          </a:p>
-        </p:txBody>
-      </p:sp>
-      <p:pic>
-        <p:nvPicPr>
-          <p:cNvPr id="14" name="그림 13">
-            <a:extLst>
-              <a:ext uri="{FF2B5EF4-FFF2-40B4-BE49-F238E27FC236}">
-                <a16:creationId xmlns:a16="http://schemas.microsoft.com/office/drawing/2014/main" id="{E0D645D2-7330-1C49-9FA8-8B76C5252A82}"/>
-              </a:ext>
-            </a:extLst>
-          </p:cNvPr>
-          <p:cNvPicPr>
-            <a:picLocks noChangeAspect="1"/>
-          </p:cNvPicPr>
-          <p:nvPr/>
-        </p:nvPicPr>
-        <p:blipFill>
-          <a:blip r:embed="rId5"/>
-          <a:stretch>
-            <a:fillRect/>
-          </a:stretch>
-        </p:blipFill>
-        <p:spPr>
-          <a:xfrm>
-            <a:off x="6178588" y="1406721"/>
-            <a:ext cx="3985951" cy="3668345"/>
-          </a:xfrm>
-          <a:prstGeom prst="rect">
-            <a:avLst/>
-          </a:prstGeom>
-        </p:spPr>
-      </p:pic>
     </p:spTree>
     <p:extLst>
       <p:ext uri="{BB962C8B-B14F-4D97-AF65-F5344CB8AC3E}">
